--- a/CSIRO2023.pptx
+++ b/CSIRO2023.pptx
@@ -5,7 +5,7 @@
     <p:sldMasterId id="2147483648" r:id="rId1"/>
   </p:sldMasterIdLst>
   <p:notesMasterIdLst>
-    <p:notesMasterId r:id="rId8"/>
+    <p:notesMasterId r:id="rId11"/>
   </p:notesMasterIdLst>
   <p:sldIdLst>
     <p:sldId id="256" r:id="rId2"/>
@@ -14,6 +14,9 @@
     <p:sldId id="259" r:id="rId5"/>
     <p:sldId id="260" r:id="rId6"/>
     <p:sldId id="261" r:id="rId7"/>
+    <p:sldId id="262" r:id="rId8"/>
+    <p:sldId id="263" r:id="rId9"/>
+    <p:sldId id="264" r:id="rId10"/>
   </p:sldIdLst>
   <p:sldSz cx="12192000" cy="6858000"/>
   <p:notesSz cx="6858000" cy="9144000"/>
@@ -112,6 +115,11 @@
       </a:defRPr>
     </a:lvl9pPr>
   </p:defaultTextStyle>
+  <p:extLst>
+    <p:ext uri="{EFAFB233-063F-42B5-8137-9DF3F51BA10A}">
+      <p15:sldGuideLst xmlns:p15="http://schemas.microsoft.com/office/powerpoint/2012/main"/>
+    </p:ext>
+  </p:extLst>
 </p:presentation>
 </file>
 
@@ -3805,7 +3813,7 @@
         <p:spPr>
           <a:xfrm>
             <a:off x="658549" y="1081824"/>
-            <a:ext cx="7931659" cy="6124754"/>
+            <a:ext cx="7931659" cy="6309420"/>
           </a:xfrm>
           <a:prstGeom prst="rect">
             <a:avLst/>
@@ -3871,7 +3879,7 @@
             </a:r>
             <a:r>
               <a:rPr lang="en-US" sz="2400" dirty="0"/>
-              <a:t> (DEFRA, UK) – molecular biologist / bioinformatics</a:t>
+              <a:t> (DEFRA, UK) – senior molecular biologist / bioinformatics</a:t>
             </a:r>
           </a:p>
           <a:p>
@@ -4213,6 +4221,40 @@
           </p:spPr>
         </p:pic>
       </p:grpSp>
+      <p:pic>
+        <p:nvPicPr>
+          <p:cNvPr id="2" name="Google Shape;56;p13">
+            <a:extLst>
+              <a:ext uri="{FF2B5EF4-FFF2-40B4-BE49-F238E27FC236}">
+                <a16:creationId xmlns:a16="http://schemas.microsoft.com/office/drawing/2014/main" id="{207F59E0-9D43-9EFF-73CF-490736995809}"/>
+              </a:ext>
+            </a:extLst>
+          </p:cNvPr>
+          <p:cNvPicPr preferRelativeResize="0"/>
+          <p:nvPr/>
+        </p:nvPicPr>
+        <p:blipFill>
+          <a:blip r:embed="rId5">
+            <a:alphaModFix/>
+          </a:blip>
+          <a:stretch>
+            <a:fillRect/>
+          </a:stretch>
+        </p:blipFill>
+        <p:spPr>
+          <a:xfrm>
+            <a:off x="7534141" y="550527"/>
+            <a:ext cx="3748168" cy="1810838"/>
+          </a:xfrm>
+          <a:prstGeom prst="rect">
+            <a:avLst/>
+          </a:prstGeom>
+          <a:noFill/>
+          <a:ln>
+            <a:noFill/>
+          </a:ln>
+        </p:spPr>
+      </p:pic>
     </p:spTree>
     <p:extLst>
       <p:ext uri="{BB962C8B-B14F-4D97-AF65-F5344CB8AC3E}">
@@ -4603,7 +4645,7 @@
         <p:spPr>
           <a:xfrm>
             <a:off x="658549" y="488993"/>
-            <a:ext cx="6264919" cy="2677656"/>
+            <a:ext cx="7464519" cy="2677656"/>
           </a:xfrm>
           <a:prstGeom prst="rect">
             <a:avLst/>
@@ -4631,7 +4673,7 @@
           <a:p>
             <a:r>
               <a:rPr lang="en-US" sz="2800" b="1" dirty="0"/>
-              <a:t>RBGV – GAP project</a:t>
+              <a:t>RBGV – GAP project – Caryophyllales genomics</a:t>
             </a:r>
           </a:p>
           <a:p>
@@ -4832,8 +4874,8 @@
         </p:blipFill>
         <p:spPr>
           <a:xfrm>
-            <a:off x="2901275" y="1531853"/>
-            <a:ext cx="5879970" cy="4469456"/>
+            <a:off x="4099760" y="1056443"/>
+            <a:ext cx="6606710" cy="4869637"/>
           </a:xfrm>
           <a:prstGeom prst="rect">
             <a:avLst/>
@@ -5092,7 +5134,7 @@
         <p:spPr>
           <a:xfrm>
             <a:off x="658549" y="488993"/>
-            <a:ext cx="7738476" cy="4832092"/>
+            <a:ext cx="10545070" cy="4401205"/>
           </a:xfrm>
           <a:prstGeom prst="rect">
             <a:avLst/>
@@ -5120,7 +5162,7 @@
           <a:p>
             <a:r>
               <a:rPr lang="en-US" sz="2800" b="1" dirty="0"/>
-              <a:t>WEHI – ENDIA project</a:t>
+              <a:t>WEHI – ENDIA project – Environmental factors in development of T1D</a:t>
             </a:r>
           </a:p>
           <a:p>
@@ -5133,7 +5175,7 @@
             </a:pPr>
             <a:r>
               <a:rPr lang="en-US" sz="2800" dirty="0"/>
-              <a:t>Massive longitudinal study of factors affecting T1D development in Australian infants.</a:t>
+              <a:t>Differential abundance analysis or metagenome – LIMMA and cytokine associations</a:t>
             </a:r>
           </a:p>
           <a:p>
@@ -5143,19 +5185,11 @@
             </a:pPr>
             <a:r>
               <a:rPr lang="en-US" sz="2800" dirty="0"/>
-              <a:t>Metagenomics of gut, milk, skin of parents and infants. To </a:t>
+              <a:t>Functional analysis and networks - </a:t>
             </a:r>
             <a:r>
               <a:rPr lang="en-US" sz="2800" dirty="0" err="1"/>
-              <a:t>oidntify</a:t>
-            </a:r>
-            <a:r>
-              <a:rPr lang="en-US" sz="2800" dirty="0"/>
-              <a:t> causal / </a:t>
-            </a:r>
-            <a:r>
-              <a:rPr lang="en-US" sz="2800"/>
-              <a:t>mitigating factors.</a:t>
+              <a:t>Cytoscape</a:t>
             </a:r>
             <a:endParaRPr lang="en-US" sz="2800" dirty="0"/>
           </a:p>
@@ -5170,10 +5204,1246 @@
           </a:p>
         </p:txBody>
       </p:sp>
+      <p:pic>
+        <p:nvPicPr>
+          <p:cNvPr id="2" name="Picture 2">
+            <a:extLst>
+              <a:ext uri="{FF2B5EF4-FFF2-40B4-BE49-F238E27FC236}">
+                <a16:creationId xmlns:a16="http://schemas.microsoft.com/office/drawing/2014/main" id="{8D157699-B28A-4F56-1BC5-2A5919A16A11}"/>
+              </a:ext>
+            </a:extLst>
+          </p:cNvPr>
+          <p:cNvPicPr>
+            <a:picLocks noChangeAspect="1" noChangeArrowheads="1"/>
+          </p:cNvPicPr>
+          <p:nvPr/>
+        </p:nvPicPr>
+        <p:blipFill>
+          <a:blip r:embed="rId3" cstate="print">
+            <a:extLst>
+              <a:ext uri="{28A0092B-C50C-407E-A947-70E740481C1C}">
+                <a14:useLocalDpi xmlns:a14="http://schemas.microsoft.com/office/drawing/2010/main" val="0"/>
+              </a:ext>
+            </a:extLst>
+          </a:blip>
+          <a:srcRect/>
+          <a:stretch>
+            <a:fillRect/>
+          </a:stretch>
+        </p:blipFill>
+        <p:spPr bwMode="auto">
+          <a:xfrm>
+            <a:off x="658549" y="4126969"/>
+            <a:ext cx="2632304" cy="1476661"/>
+          </a:xfrm>
+          <a:prstGeom prst="rect">
+            <a:avLst/>
+          </a:prstGeom>
+          <a:noFill/>
+          <a:ln>
+            <a:noFill/>
+          </a:ln>
+          <a:effectLst/>
+          <a:extLst>
+            <a:ext uri="{909E8E84-426E-40DD-AFC4-6F175D3DCCD1}">
+              <a14:hiddenFill xmlns:a14="http://schemas.microsoft.com/office/drawing/2010/main">
+                <a:solidFill>
+                  <a:schemeClr val="accent1"/>
+                </a:solidFill>
+              </a14:hiddenFill>
+            </a:ext>
+            <a:ext uri="{91240B29-F687-4F45-9708-019B960494DF}">
+              <a14:hiddenLine xmlns:a14="http://schemas.microsoft.com/office/drawing/2010/main" w="9525">
+                <a:solidFill>
+                  <a:schemeClr val="tx1"/>
+                </a:solidFill>
+                <a:miter lim="800000"/>
+                <a:headEnd/>
+                <a:tailEnd/>
+              </a14:hiddenLine>
+            </a:ext>
+            <a:ext uri="{AF507438-7753-43E0-B8FC-AC1667EBCBE1}">
+              <a14:hiddenEffects xmlns:a14="http://schemas.microsoft.com/office/drawing/2010/main">
+                <a:effectLst>
+                  <a:outerShdw dist="35921" dir="2700000" algn="ctr" rotWithShape="0">
+                    <a:schemeClr val="bg2"/>
+                  </a:outerShdw>
+                </a:effectLst>
+              </a14:hiddenEffects>
+            </a:ext>
+          </a:extLst>
+        </p:spPr>
+      </p:pic>
+      <p:pic>
+        <p:nvPicPr>
+          <p:cNvPr id="3" name="Picture 2">
+            <a:extLst>
+              <a:ext uri="{FF2B5EF4-FFF2-40B4-BE49-F238E27FC236}">
+                <a16:creationId xmlns:a16="http://schemas.microsoft.com/office/drawing/2014/main" id="{52D6F2E5-5C61-46F3-9406-CDA76882BEC1}"/>
+              </a:ext>
+            </a:extLst>
+          </p:cNvPr>
+          <p:cNvPicPr>
+            <a:picLocks noChangeAspect="1" noChangeArrowheads="1"/>
+          </p:cNvPicPr>
+          <p:nvPr/>
+        </p:nvPicPr>
+        <p:blipFill>
+          <a:blip r:embed="rId4">
+            <a:extLst>
+              <a:ext uri="{28A0092B-C50C-407E-A947-70E740481C1C}">
+                <a14:useLocalDpi xmlns:a14="http://schemas.microsoft.com/office/drawing/2010/main" val="0"/>
+              </a:ext>
+            </a:extLst>
+          </a:blip>
+          <a:srcRect/>
+          <a:stretch>
+            <a:fillRect/>
+          </a:stretch>
+        </p:blipFill>
+        <p:spPr bwMode="auto">
+          <a:xfrm>
+            <a:off x="3681625" y="4274610"/>
+            <a:ext cx="3738065" cy="1329020"/>
+          </a:xfrm>
+          <a:prstGeom prst="rect">
+            <a:avLst/>
+          </a:prstGeom>
+          <a:noFill/>
+          <a:ln>
+            <a:noFill/>
+          </a:ln>
+          <a:extLst>
+            <a:ext uri="{909E8E84-426E-40DD-AFC4-6F175D3DCCD1}">
+              <a14:hiddenFill xmlns:a14="http://schemas.microsoft.com/office/drawing/2010/main">
+                <a:solidFill>
+                  <a:srgbClr val="FFFFFF"/>
+                </a:solidFill>
+              </a14:hiddenFill>
+            </a:ext>
+            <a:ext uri="{91240B29-F687-4F45-9708-019B960494DF}">
+              <a14:hiddenLine xmlns:a14="http://schemas.microsoft.com/office/drawing/2010/main" w="9525">
+                <a:solidFill>
+                  <a:srgbClr val="000000"/>
+                </a:solidFill>
+                <a:miter lim="800000"/>
+                <a:headEnd/>
+                <a:tailEnd/>
+              </a14:hiddenLine>
+            </a:ext>
+          </a:extLst>
+        </p:spPr>
+      </p:pic>
+      <p:pic>
+        <p:nvPicPr>
+          <p:cNvPr id="4" name="Picture 2">
+            <a:extLst>
+              <a:ext uri="{FF2B5EF4-FFF2-40B4-BE49-F238E27FC236}">
+                <a16:creationId xmlns:a16="http://schemas.microsoft.com/office/drawing/2014/main" id="{A571197D-8DBE-1999-4ED6-952C29B2BB39}"/>
+              </a:ext>
+            </a:extLst>
+          </p:cNvPr>
+          <p:cNvPicPr>
+            <a:picLocks noChangeAspect="1" noChangeArrowheads="1"/>
+          </p:cNvPicPr>
+          <p:nvPr/>
+        </p:nvPicPr>
+        <p:blipFill>
+          <a:blip r:embed="rId5">
+            <a:extLst>
+              <a:ext uri="{28A0092B-C50C-407E-A947-70E740481C1C}">
+                <a14:useLocalDpi xmlns:a14="http://schemas.microsoft.com/office/drawing/2010/main" val="0"/>
+              </a:ext>
+            </a:extLst>
+          </a:blip>
+          <a:srcRect/>
+          <a:stretch>
+            <a:fillRect/>
+          </a:stretch>
+        </p:blipFill>
+        <p:spPr bwMode="auto">
+          <a:xfrm>
+            <a:off x="7620988" y="4293740"/>
+            <a:ext cx="2811817" cy="1309890"/>
+          </a:xfrm>
+          <a:prstGeom prst="rect">
+            <a:avLst/>
+          </a:prstGeom>
+          <a:noFill/>
+          <a:ln>
+            <a:noFill/>
+          </a:ln>
+          <a:extLst>
+            <a:ext uri="{909E8E84-426E-40DD-AFC4-6F175D3DCCD1}">
+              <a14:hiddenFill xmlns:a14="http://schemas.microsoft.com/office/drawing/2010/main">
+                <a:solidFill>
+                  <a:srgbClr val="FFFFFF"/>
+                </a:solidFill>
+              </a14:hiddenFill>
+            </a:ext>
+            <a:ext uri="{91240B29-F687-4F45-9708-019B960494DF}">
+              <a14:hiddenLine xmlns:a14="http://schemas.microsoft.com/office/drawing/2010/main" w="9525">
+                <a:solidFill>
+                  <a:srgbClr val="000000"/>
+                </a:solidFill>
+                <a:miter lim="800000"/>
+                <a:headEnd/>
+                <a:tailEnd/>
+              </a14:hiddenLine>
+            </a:ext>
+          </a:extLst>
+        </p:spPr>
+      </p:pic>
     </p:spTree>
     <p:extLst>
       <p:ext uri="{BB962C8B-B14F-4D97-AF65-F5344CB8AC3E}">
         <p14:creationId xmlns:p14="http://schemas.microsoft.com/office/powerpoint/2010/main" val="3066419162"/>
+      </p:ext>
+    </p:extLst>
+  </p:cSld>
+  <p:clrMapOvr>
+    <a:masterClrMapping/>
+  </p:clrMapOvr>
+</p:sld>
+</file>
+
+<file path=ppt/slides/slide7.xml><?xml version="1.0" encoding="utf-8"?>
+<p:sld xmlns:a="http://schemas.openxmlformats.org/drawingml/2006/main" xmlns:r="http://schemas.openxmlformats.org/officeDocument/2006/relationships" xmlns:p="http://schemas.openxmlformats.org/presentationml/2006/main">
+  <p:cSld>
+    <p:spTree>
+      <p:nvGrpSpPr>
+        <p:cNvPr id="1" name=""/>
+        <p:cNvGrpSpPr/>
+        <p:nvPr/>
+      </p:nvGrpSpPr>
+      <p:grpSpPr>
+        <a:xfrm>
+          <a:off x="0" y="0"/>
+          <a:ext cx="0" cy="0"/>
+          <a:chOff x="0" y="0"/>
+          <a:chExt cx="0" cy="0"/>
+        </a:xfrm>
+      </p:grpSpPr>
+      <p:sp>
+        <p:nvSpPr>
+          <p:cNvPr id="5" name="Footer Placeholder 4">
+            <a:extLst>
+              <a:ext uri="{FF2B5EF4-FFF2-40B4-BE49-F238E27FC236}">
+                <a16:creationId xmlns:a16="http://schemas.microsoft.com/office/drawing/2014/main" id="{E9897846-DD34-4261-B3E0-9D79DA25FC41}"/>
+              </a:ext>
+            </a:extLst>
+          </p:cNvPr>
+          <p:cNvSpPr>
+            <a:spLocks noGrp="1"/>
+          </p:cNvSpPr>
+          <p:nvPr>
+            <p:ph type="ftr" sz="quarter" idx="11"/>
+          </p:nvPr>
+        </p:nvSpPr>
+        <p:spPr>
+          <a:xfrm>
+            <a:off x="6923468" y="6297277"/>
+            <a:ext cx="4114800" cy="365125"/>
+          </a:xfrm>
+        </p:spPr>
+        <p:txBody>
+          <a:bodyPr/>
+          <a:lstStyle/>
+          <a:p>
+            <a:r>
+              <a:rPr lang="en-US" sz="2000" dirty="0">
+                <a:solidFill>
+                  <a:schemeClr val="tx1"/>
+                </a:solidFill>
+              </a:rPr>
+              <a:t>Theo Allnutt </a:t>
+            </a:r>
+            <a:r>
+              <a:rPr lang="en-US" sz="2000" b="1" dirty="0">
+                <a:solidFill>
+                  <a:schemeClr val="tx1"/>
+                </a:solidFill>
+              </a:rPr>
+              <a:t>Bioinformatics </a:t>
+            </a:r>
+          </a:p>
+        </p:txBody>
+      </p:sp>
+      <p:pic>
+        <p:nvPicPr>
+          <p:cNvPr id="7" name="Picture 6">
+            <a:extLst>
+              <a:ext uri="{FF2B5EF4-FFF2-40B4-BE49-F238E27FC236}">
+                <a16:creationId xmlns:a16="http://schemas.microsoft.com/office/drawing/2014/main" id="{31FF360D-2547-44DE-B990-578994421967}"/>
+              </a:ext>
+            </a:extLst>
+          </p:cNvPr>
+          <p:cNvPicPr>
+            <a:picLocks noChangeAspect="1"/>
+          </p:cNvPicPr>
+          <p:nvPr/>
+        </p:nvPicPr>
+        <p:blipFill>
+          <a:blip r:embed="rId2"/>
+          <a:stretch>
+            <a:fillRect/>
+          </a:stretch>
+        </p:blipFill>
+        <p:spPr>
+          <a:xfrm>
+            <a:off x="10639022" y="5705341"/>
+            <a:ext cx="957061" cy="957061"/>
+          </a:xfrm>
+          <a:prstGeom prst="rect">
+            <a:avLst/>
+          </a:prstGeom>
+        </p:spPr>
+      </p:pic>
+      <p:sp>
+        <p:nvSpPr>
+          <p:cNvPr id="8" name="TextBox 7">
+            <a:extLst>
+              <a:ext uri="{FF2B5EF4-FFF2-40B4-BE49-F238E27FC236}">
+                <a16:creationId xmlns:a16="http://schemas.microsoft.com/office/drawing/2014/main" id="{0BA008F7-4F31-4216-8641-49D92E0D9DC4}"/>
+              </a:ext>
+            </a:extLst>
+          </p:cNvPr>
+          <p:cNvSpPr txBox="1"/>
+          <p:nvPr/>
+        </p:nvSpPr>
+        <p:spPr>
+          <a:xfrm>
+            <a:off x="658548" y="488993"/>
+            <a:ext cx="11219773" cy="3108543"/>
+          </a:xfrm>
+          <a:prstGeom prst="rect">
+            <a:avLst/>
+          </a:prstGeom>
+          <a:noFill/>
+        </p:spPr>
+        <p:txBody>
+          <a:bodyPr wrap="square" rtlCol="0">
+            <a:spAutoFit/>
+          </a:bodyPr>
+          <a:lstStyle/>
+          <a:p>
+            <a:r>
+              <a:rPr lang="en-US" sz="2800" dirty="0"/>
+              <a:t>Theo Allnutt – </a:t>
+            </a:r>
+            <a:r>
+              <a:rPr lang="en-US" sz="2800" b="1" dirty="0"/>
+              <a:t>Skills and Experience</a:t>
+            </a:r>
+          </a:p>
+          <a:p>
+            <a:endParaRPr lang="en-US" sz="2800" dirty="0"/>
+          </a:p>
+          <a:p>
+            <a:r>
+              <a:rPr lang="en-US" sz="2800" b="1" dirty="0"/>
+              <a:t>WEHI – ENDIA project – Environmental factors in development of T1D</a:t>
+            </a:r>
+          </a:p>
+          <a:p>
+            <a:endParaRPr lang="en-US" sz="2800" b="1" dirty="0"/>
+          </a:p>
+          <a:p>
+            <a:endParaRPr lang="en-US" sz="2800" dirty="0"/>
+          </a:p>
+          <a:p>
+            <a:endParaRPr lang="en-US" sz="2800" dirty="0"/>
+          </a:p>
+          <a:p>
+            <a:endParaRPr lang="en-US" sz="2800" dirty="0"/>
+          </a:p>
+        </p:txBody>
+      </p:sp>
+      <p:pic>
+        <p:nvPicPr>
+          <p:cNvPr id="9" name="Picture 8">
+            <a:extLst>
+              <a:ext uri="{FF2B5EF4-FFF2-40B4-BE49-F238E27FC236}">
+                <a16:creationId xmlns:a16="http://schemas.microsoft.com/office/drawing/2014/main" id="{016F74D4-A1AD-3DF6-A406-0B4D27C0515D}"/>
+              </a:ext>
+            </a:extLst>
+          </p:cNvPr>
+          <p:cNvPicPr>
+            <a:picLocks noChangeAspect="1"/>
+          </p:cNvPicPr>
+          <p:nvPr/>
+        </p:nvPicPr>
+        <p:blipFill>
+          <a:blip r:embed="rId3">
+            <a:extLst>
+              <a:ext uri="{28A0092B-C50C-407E-A947-70E740481C1C}">
+                <a14:useLocalDpi xmlns:a14="http://schemas.microsoft.com/office/drawing/2010/main" val="0"/>
+              </a:ext>
+            </a:extLst>
+          </a:blip>
+          <a:stretch>
+            <a:fillRect/>
+          </a:stretch>
+        </p:blipFill>
+        <p:spPr>
+          <a:xfrm>
+            <a:off x="1498275" y="2451968"/>
+            <a:ext cx="8330276" cy="3715958"/>
+          </a:xfrm>
+          <a:prstGeom prst="rect">
+            <a:avLst/>
+          </a:prstGeom>
+        </p:spPr>
+      </p:pic>
+      <p:sp>
+        <p:nvSpPr>
+          <p:cNvPr id="10" name="Title 1">
+            <a:extLst>
+              <a:ext uri="{FF2B5EF4-FFF2-40B4-BE49-F238E27FC236}">
+                <a16:creationId xmlns:a16="http://schemas.microsoft.com/office/drawing/2014/main" id="{65450791-520B-B0F5-C09F-BF5144EEE1F9}"/>
+              </a:ext>
+            </a:extLst>
+          </p:cNvPr>
+          <p:cNvSpPr txBox="1">
+            <a:spLocks noChangeArrowheads="1"/>
+          </p:cNvSpPr>
+          <p:nvPr/>
+        </p:nvSpPr>
+        <p:spPr>
+          <a:xfrm>
+            <a:off x="1294151" y="1999313"/>
+            <a:ext cx="8534400" cy="475506"/>
+          </a:xfrm>
+          <a:prstGeom prst="rect">
+            <a:avLst/>
+          </a:prstGeom>
+        </p:spPr>
+        <p:txBody>
+          <a:bodyPr vert="horz" lIns="91440" tIns="45720" rIns="91440" bIns="45720" rtlCol="0" anchor="b">
+            <a:normAutofit/>
+          </a:bodyPr>
+          <a:lstStyle>
+            <a:lvl1pPr algn="ctr" defTabSz="914400" rtl="0" eaLnBrk="1" latinLnBrk="0" hangingPunct="1">
+              <a:lnSpc>
+                <a:spcPct val="90000"/>
+              </a:lnSpc>
+              <a:spcBef>
+                <a:spcPct val="0"/>
+              </a:spcBef>
+              <a:buNone/>
+              <a:defRPr sz="6000" kern="1200">
+                <a:solidFill>
+                  <a:schemeClr val="tx1"/>
+                </a:solidFill>
+                <a:latin typeface="+mj-lt"/>
+                <a:ea typeface="+mj-ea"/>
+                <a:cs typeface="+mj-cs"/>
+              </a:defRPr>
+            </a:lvl1pPr>
+          </a:lstStyle>
+          <a:p>
+            <a:pPr algn="l"/>
+            <a:r>
+              <a:rPr lang="en-US" altLang="en-US" sz="1800">
+                <a:latin typeface="Arial" panose="020B0604020202020204" pitchFamily="34" charset="0"/>
+                <a:ea typeface="ＭＳ Ｐゴシック" panose="020B0600070205080204" pitchFamily="34" charset="-128"/>
+                <a:cs typeface="Arial" panose="020B0604020202020204" pitchFamily="34" charset="0"/>
+              </a:rPr>
+              <a:t>The dark matter in the gut metagenome</a:t>
+            </a:r>
+            <a:endParaRPr lang="en-US" altLang="en-US" sz="1800" dirty="0">
+              <a:latin typeface="Arial" panose="020B0604020202020204" pitchFamily="34" charset="0"/>
+              <a:ea typeface="ＭＳ Ｐゴシック" panose="020B0600070205080204" pitchFamily="34" charset="-128"/>
+              <a:cs typeface="Arial" panose="020B0604020202020204" pitchFamily="34" charset="0"/>
+            </a:endParaRPr>
+          </a:p>
+        </p:txBody>
+      </p:sp>
+      <p:pic>
+        <p:nvPicPr>
+          <p:cNvPr id="11" name="Picture 10">
+            <a:extLst>
+              <a:ext uri="{FF2B5EF4-FFF2-40B4-BE49-F238E27FC236}">
+                <a16:creationId xmlns:a16="http://schemas.microsoft.com/office/drawing/2014/main" id="{623B1215-55D1-24ED-373B-B49DCAA9489A}"/>
+              </a:ext>
+            </a:extLst>
+          </p:cNvPr>
+          <p:cNvPicPr>
+            <a:picLocks noChangeAspect="1"/>
+          </p:cNvPicPr>
+          <p:nvPr/>
+        </p:nvPicPr>
+        <p:blipFill>
+          <a:blip r:embed="rId4"/>
+          <a:stretch>
+            <a:fillRect/>
+          </a:stretch>
+        </p:blipFill>
+        <p:spPr>
+          <a:xfrm>
+            <a:off x="6047497" y="4865490"/>
+            <a:ext cx="1314054" cy="849689"/>
+          </a:xfrm>
+          <a:prstGeom prst="rect">
+            <a:avLst/>
+          </a:prstGeom>
+        </p:spPr>
+      </p:pic>
+      <p:cxnSp>
+        <p:nvCxnSpPr>
+          <p:cNvPr id="12" name="Straight Connector 11">
+            <a:extLst>
+              <a:ext uri="{FF2B5EF4-FFF2-40B4-BE49-F238E27FC236}">
+                <a16:creationId xmlns:a16="http://schemas.microsoft.com/office/drawing/2014/main" id="{E3B85536-1162-EED2-72E3-3E4EC6633F13}"/>
+              </a:ext>
+            </a:extLst>
+          </p:cNvPr>
+          <p:cNvCxnSpPr/>
+          <p:nvPr/>
+        </p:nvCxnSpPr>
+        <p:spPr bwMode="auto">
+          <a:xfrm>
+            <a:off x="6065407" y="4707067"/>
+            <a:ext cx="0" cy="1483710"/>
+          </a:xfrm>
+          <a:prstGeom prst="line">
+            <a:avLst/>
+          </a:prstGeom>
+          <a:solidFill>
+            <a:schemeClr val="accent1"/>
+          </a:solidFill>
+          <a:ln w="31750" cap="flat" cmpd="sng" algn="ctr">
+            <a:solidFill>
+              <a:schemeClr val="tx1"/>
+            </a:solidFill>
+            <a:prstDash val="sysDash"/>
+            <a:round/>
+            <a:headEnd type="none" w="med" len="med"/>
+            <a:tailEnd type="none" w="med" len="med"/>
+          </a:ln>
+          <a:effectLst/>
+          <a:extLst>
+            <a:ext uri="{AF507438-7753-43e0-B8FC-AC1667EBCBE1}">
+              <a14:hiddenEffects xmlns="" xmlns:a14="http://schemas.microsoft.com/office/drawing/2010/main">
+                <a:effectLst>
+                  <a:outerShdw blurRad="63500" dist="38099" dir="2700000" algn="ctr" rotWithShape="0">
+                    <a:schemeClr val="bg2">
+                      <a:alpha val="74998"/>
+                    </a:schemeClr>
+                  </a:outerShdw>
+                </a:effectLst>
+              </a14:hiddenEffects>
+            </a:ext>
+          </a:extLst>
+        </p:spPr>
+      </p:cxnSp>
+      <p:pic>
+        <p:nvPicPr>
+          <p:cNvPr id="13" name="Picture 12">
+            <a:extLst>
+              <a:ext uri="{FF2B5EF4-FFF2-40B4-BE49-F238E27FC236}">
+                <a16:creationId xmlns:a16="http://schemas.microsoft.com/office/drawing/2014/main" id="{71138B3F-2885-722E-C205-7A663D845795}"/>
+              </a:ext>
+            </a:extLst>
+          </p:cNvPr>
+          <p:cNvPicPr>
+            <a:picLocks noChangeAspect="1"/>
+          </p:cNvPicPr>
+          <p:nvPr/>
+        </p:nvPicPr>
+        <p:blipFill>
+          <a:blip r:embed="rId5">
+            <a:extLst>
+              <a:ext uri="{BEBA8EAE-BF5A-486C-A8C5-ECC9F3942E4B}">
+                <a14:imgProps xmlns:a14="http://schemas.microsoft.com/office/drawing/2010/main">
+                  <a14:imgLayer r:embed="rId6">
+                    <a14:imgEffect>
+                      <a14:artisticMarker trans="61000"/>
+                    </a14:imgEffect>
+                  </a14:imgLayer>
+                </a14:imgProps>
+              </a:ext>
+            </a:extLst>
+          </a:blip>
+          <a:stretch>
+            <a:fillRect/>
+          </a:stretch>
+        </p:blipFill>
+        <p:spPr>
+          <a:xfrm>
+            <a:off x="2735128" y="3842971"/>
+            <a:ext cx="1475982" cy="1483710"/>
+          </a:xfrm>
+          <a:prstGeom prst="rect">
+            <a:avLst/>
+          </a:prstGeom>
+        </p:spPr>
+      </p:pic>
+      <p:pic>
+        <p:nvPicPr>
+          <p:cNvPr id="14" name="Picture 13">
+            <a:extLst>
+              <a:ext uri="{FF2B5EF4-FFF2-40B4-BE49-F238E27FC236}">
+                <a16:creationId xmlns:a16="http://schemas.microsoft.com/office/drawing/2014/main" id="{A036A098-27F8-BE13-2D81-790ED6A42E72}"/>
+              </a:ext>
+            </a:extLst>
+          </p:cNvPr>
+          <p:cNvPicPr>
+            <a:picLocks noChangeAspect="1"/>
+          </p:cNvPicPr>
+          <p:nvPr/>
+        </p:nvPicPr>
+        <p:blipFill>
+          <a:blip r:embed="rId7"/>
+          <a:stretch>
+            <a:fillRect/>
+          </a:stretch>
+        </p:blipFill>
+        <p:spPr>
+          <a:xfrm>
+            <a:off x="7447020" y="4865490"/>
+            <a:ext cx="1408788" cy="906389"/>
+          </a:xfrm>
+          <a:prstGeom prst="rect">
+            <a:avLst/>
+          </a:prstGeom>
+        </p:spPr>
+      </p:pic>
+      <p:sp>
+        <p:nvSpPr>
+          <p:cNvPr id="15" name="Rectangle 14">
+            <a:extLst>
+              <a:ext uri="{FF2B5EF4-FFF2-40B4-BE49-F238E27FC236}">
+                <a16:creationId xmlns:a16="http://schemas.microsoft.com/office/drawing/2014/main" id="{69907191-E54B-04A3-116C-80F331D00CEC}"/>
+              </a:ext>
+            </a:extLst>
+          </p:cNvPr>
+          <p:cNvSpPr/>
+          <p:nvPr/>
+        </p:nvSpPr>
+        <p:spPr>
+          <a:xfrm>
+            <a:off x="2645103" y="3382373"/>
+            <a:ext cx="2916248" cy="369332"/>
+          </a:xfrm>
+          <a:prstGeom prst="rect">
+            <a:avLst/>
+          </a:prstGeom>
+        </p:spPr>
+        <p:txBody>
+          <a:bodyPr wrap="none">
+            <a:spAutoFit/>
+          </a:bodyPr>
+          <a:lstStyle/>
+          <a:p>
+            <a:r>
+              <a:rPr lang="en-US" altLang="en-US" sz="1800" dirty="0">
+                <a:latin typeface="Arial" panose="020B0604020202020204" pitchFamily="34" charset="0"/>
+                <a:cs typeface="Arial" panose="020B0604020202020204" pitchFamily="34" charset="0"/>
+              </a:rPr>
+              <a:t>96% Bacteria and Archaea</a:t>
+            </a:r>
+          </a:p>
+        </p:txBody>
+      </p:sp>
+      <p:sp>
+        <p:nvSpPr>
+          <p:cNvPr id="16" name="Rectangle 15">
+            <a:extLst>
+              <a:ext uri="{FF2B5EF4-FFF2-40B4-BE49-F238E27FC236}">
+                <a16:creationId xmlns:a16="http://schemas.microsoft.com/office/drawing/2014/main" id="{255BEEF5-5C2C-D9D0-3E8A-3ECEDFE7DC9D}"/>
+              </a:ext>
+            </a:extLst>
+          </p:cNvPr>
+          <p:cNvSpPr/>
+          <p:nvPr/>
+        </p:nvSpPr>
+        <p:spPr>
+          <a:xfrm>
+            <a:off x="4684417" y="4085043"/>
+            <a:ext cx="1165704" cy="338554"/>
+          </a:xfrm>
+          <a:prstGeom prst="rect">
+            <a:avLst/>
+          </a:prstGeom>
+        </p:spPr>
+        <p:txBody>
+          <a:bodyPr wrap="none">
+            <a:spAutoFit/>
+          </a:bodyPr>
+          <a:lstStyle/>
+          <a:p>
+            <a:r>
+              <a:rPr lang="en-US" altLang="en-US" sz="1600" dirty="0">
+                <a:latin typeface="Arial" panose="020B0604020202020204" pitchFamily="34" charset="0"/>
+                <a:cs typeface="Arial" panose="020B0604020202020204" pitchFamily="34" charset="0"/>
+              </a:rPr>
+              <a:t>3% human</a:t>
+            </a:r>
+          </a:p>
+        </p:txBody>
+      </p:sp>
+      <p:sp>
+        <p:nvSpPr>
+          <p:cNvPr id="17" name="Rectangle 16">
+            <a:extLst>
+              <a:ext uri="{FF2B5EF4-FFF2-40B4-BE49-F238E27FC236}">
+                <a16:creationId xmlns:a16="http://schemas.microsoft.com/office/drawing/2014/main" id="{C127031C-034C-E382-4450-51AB5C1D0A9C}"/>
+              </a:ext>
+            </a:extLst>
+          </p:cNvPr>
+          <p:cNvSpPr/>
+          <p:nvPr/>
+        </p:nvSpPr>
+        <p:spPr>
+          <a:xfrm>
+            <a:off x="5952183" y="4254320"/>
+            <a:ext cx="1473480" cy="338554"/>
+          </a:xfrm>
+          <a:prstGeom prst="rect">
+            <a:avLst/>
+          </a:prstGeom>
+        </p:spPr>
+        <p:txBody>
+          <a:bodyPr wrap="none">
+            <a:spAutoFit/>
+          </a:bodyPr>
+          <a:lstStyle/>
+          <a:p>
+            <a:r>
+              <a:rPr lang="en-US" altLang="en-US" sz="1600" dirty="0">
+                <a:latin typeface="Arial" panose="020B0604020202020204" pitchFamily="34" charset="0"/>
+                <a:cs typeface="Arial" panose="020B0604020202020204" pitchFamily="34" charset="0"/>
+              </a:rPr>
+              <a:t>0.75% viruses</a:t>
+            </a:r>
+          </a:p>
+        </p:txBody>
+      </p:sp>
+      <p:sp>
+        <p:nvSpPr>
+          <p:cNvPr id="18" name="Rectangle 17">
+            <a:extLst>
+              <a:ext uri="{FF2B5EF4-FFF2-40B4-BE49-F238E27FC236}">
+                <a16:creationId xmlns:a16="http://schemas.microsoft.com/office/drawing/2014/main" id="{97835401-EBE4-8734-AC57-D5AC1D544A06}"/>
+              </a:ext>
+            </a:extLst>
+          </p:cNvPr>
+          <p:cNvSpPr/>
+          <p:nvPr/>
+        </p:nvSpPr>
+        <p:spPr>
+          <a:xfrm>
+            <a:off x="7204986" y="4526936"/>
+            <a:ext cx="1725152" cy="338554"/>
+          </a:xfrm>
+          <a:prstGeom prst="rect">
+            <a:avLst/>
+          </a:prstGeom>
+        </p:spPr>
+        <p:txBody>
+          <a:bodyPr wrap="none">
+            <a:spAutoFit/>
+          </a:bodyPr>
+          <a:lstStyle/>
+          <a:p>
+            <a:r>
+              <a:rPr lang="en-US" altLang="en-US" sz="1600" dirty="0">
+                <a:latin typeface="Arial" panose="020B0604020202020204" pitchFamily="34" charset="0"/>
+                <a:cs typeface="Arial" panose="020B0604020202020204" pitchFamily="34" charset="0"/>
+              </a:rPr>
+              <a:t>0.25% eukaryote</a:t>
+            </a:r>
+          </a:p>
+        </p:txBody>
+      </p:sp>
+    </p:spTree>
+    <p:extLst>
+      <p:ext uri="{BB962C8B-B14F-4D97-AF65-F5344CB8AC3E}">
+        <p14:creationId xmlns:p14="http://schemas.microsoft.com/office/powerpoint/2010/main" val="750021646"/>
+      </p:ext>
+    </p:extLst>
+  </p:cSld>
+  <p:clrMapOvr>
+    <a:masterClrMapping/>
+  </p:clrMapOvr>
+</p:sld>
+</file>
+
+<file path=ppt/slides/slide8.xml><?xml version="1.0" encoding="utf-8"?>
+<p:sld xmlns:a="http://schemas.openxmlformats.org/drawingml/2006/main" xmlns:r="http://schemas.openxmlformats.org/officeDocument/2006/relationships" xmlns:p="http://schemas.openxmlformats.org/presentationml/2006/main">
+  <p:cSld>
+    <p:spTree>
+      <p:nvGrpSpPr>
+        <p:cNvPr id="1" name=""/>
+        <p:cNvGrpSpPr/>
+        <p:nvPr/>
+      </p:nvGrpSpPr>
+      <p:grpSpPr>
+        <a:xfrm>
+          <a:off x="0" y="0"/>
+          <a:ext cx="0" cy="0"/>
+          <a:chOff x="0" y="0"/>
+          <a:chExt cx="0" cy="0"/>
+        </a:xfrm>
+      </p:grpSpPr>
+      <p:sp>
+        <p:nvSpPr>
+          <p:cNvPr id="5" name="Footer Placeholder 4">
+            <a:extLst>
+              <a:ext uri="{FF2B5EF4-FFF2-40B4-BE49-F238E27FC236}">
+                <a16:creationId xmlns:a16="http://schemas.microsoft.com/office/drawing/2014/main" id="{E9897846-DD34-4261-B3E0-9D79DA25FC41}"/>
+              </a:ext>
+            </a:extLst>
+          </p:cNvPr>
+          <p:cNvSpPr>
+            <a:spLocks noGrp="1"/>
+          </p:cNvSpPr>
+          <p:nvPr>
+            <p:ph type="ftr" sz="quarter" idx="11"/>
+          </p:nvPr>
+        </p:nvSpPr>
+        <p:spPr>
+          <a:xfrm>
+            <a:off x="6923468" y="6297277"/>
+            <a:ext cx="4114800" cy="365125"/>
+          </a:xfrm>
+        </p:spPr>
+        <p:txBody>
+          <a:bodyPr/>
+          <a:lstStyle/>
+          <a:p>
+            <a:r>
+              <a:rPr lang="en-US" sz="2000" dirty="0">
+                <a:solidFill>
+                  <a:schemeClr val="tx1"/>
+                </a:solidFill>
+              </a:rPr>
+              <a:t>Theo Allnutt </a:t>
+            </a:r>
+            <a:r>
+              <a:rPr lang="en-US" sz="2000" b="1" dirty="0">
+                <a:solidFill>
+                  <a:schemeClr val="tx1"/>
+                </a:solidFill>
+              </a:rPr>
+              <a:t>Bioinformatics </a:t>
+            </a:r>
+          </a:p>
+        </p:txBody>
+      </p:sp>
+      <p:pic>
+        <p:nvPicPr>
+          <p:cNvPr id="7" name="Picture 6">
+            <a:extLst>
+              <a:ext uri="{FF2B5EF4-FFF2-40B4-BE49-F238E27FC236}">
+                <a16:creationId xmlns:a16="http://schemas.microsoft.com/office/drawing/2014/main" id="{31FF360D-2547-44DE-B990-578994421967}"/>
+              </a:ext>
+            </a:extLst>
+          </p:cNvPr>
+          <p:cNvPicPr>
+            <a:picLocks noChangeAspect="1"/>
+          </p:cNvPicPr>
+          <p:nvPr/>
+        </p:nvPicPr>
+        <p:blipFill>
+          <a:blip r:embed="rId2"/>
+          <a:stretch>
+            <a:fillRect/>
+          </a:stretch>
+        </p:blipFill>
+        <p:spPr>
+          <a:xfrm>
+            <a:off x="10639022" y="5705341"/>
+            <a:ext cx="957061" cy="957061"/>
+          </a:xfrm>
+          <a:prstGeom prst="rect">
+            <a:avLst/>
+          </a:prstGeom>
+        </p:spPr>
+      </p:pic>
+      <p:sp>
+        <p:nvSpPr>
+          <p:cNvPr id="8" name="TextBox 7">
+            <a:extLst>
+              <a:ext uri="{FF2B5EF4-FFF2-40B4-BE49-F238E27FC236}">
+                <a16:creationId xmlns:a16="http://schemas.microsoft.com/office/drawing/2014/main" id="{0BA008F7-4F31-4216-8641-49D92E0D9DC4}"/>
+              </a:ext>
+            </a:extLst>
+          </p:cNvPr>
+          <p:cNvSpPr txBox="1"/>
+          <p:nvPr/>
+        </p:nvSpPr>
+        <p:spPr>
+          <a:xfrm>
+            <a:off x="658549" y="488993"/>
+            <a:ext cx="7738476" cy="3539430"/>
+          </a:xfrm>
+          <a:prstGeom prst="rect">
+            <a:avLst/>
+          </a:prstGeom>
+          <a:noFill/>
+        </p:spPr>
+        <p:txBody>
+          <a:bodyPr wrap="square" rtlCol="0">
+            <a:spAutoFit/>
+          </a:bodyPr>
+          <a:lstStyle/>
+          <a:p>
+            <a:r>
+              <a:rPr lang="en-US" sz="2800" dirty="0"/>
+              <a:t>Theo Allnutt – </a:t>
+            </a:r>
+            <a:r>
+              <a:rPr lang="en-US" sz="2800" b="1" dirty="0"/>
+              <a:t>Skills and Experience</a:t>
+            </a:r>
+          </a:p>
+          <a:p>
+            <a:endParaRPr lang="en-US" sz="2800" dirty="0"/>
+          </a:p>
+          <a:p>
+            <a:r>
+              <a:rPr lang="en-US" sz="2800" b="1" dirty="0"/>
+              <a:t>WEHI – Elcho project – </a:t>
+            </a:r>
+            <a:r>
+              <a:rPr lang="en-US" sz="2800" b="1" dirty="0" err="1"/>
+              <a:t>metagnomic</a:t>
+            </a:r>
+            <a:r>
+              <a:rPr lang="en-US" sz="2800" b="1" dirty="0"/>
+              <a:t> factors affecting health of indigenous infants</a:t>
+            </a:r>
+          </a:p>
+          <a:p>
+            <a:endParaRPr lang="en-US" sz="2800" b="1" dirty="0"/>
+          </a:p>
+          <a:p>
+            <a:endParaRPr lang="en-US" sz="2800" dirty="0"/>
+          </a:p>
+          <a:p>
+            <a:endParaRPr lang="en-US" sz="2800" dirty="0"/>
+          </a:p>
+          <a:p>
+            <a:endParaRPr lang="en-US" sz="2800" dirty="0"/>
+          </a:p>
+        </p:txBody>
+      </p:sp>
+      <p:pic>
+        <p:nvPicPr>
+          <p:cNvPr id="6" name="Picture 5">
+            <a:extLst>
+              <a:ext uri="{FF2B5EF4-FFF2-40B4-BE49-F238E27FC236}">
+                <a16:creationId xmlns:a16="http://schemas.microsoft.com/office/drawing/2014/main" id="{416B8577-9AD7-688D-4EA2-7AD31A4680DF}"/>
+              </a:ext>
+            </a:extLst>
+          </p:cNvPr>
+          <p:cNvPicPr>
+            <a:picLocks noChangeAspect="1"/>
+          </p:cNvPicPr>
+          <p:nvPr/>
+        </p:nvPicPr>
+        <p:blipFill>
+          <a:blip r:embed="rId3"/>
+          <a:stretch>
+            <a:fillRect/>
+          </a:stretch>
+        </p:blipFill>
+        <p:spPr>
+          <a:xfrm>
+            <a:off x="595917" y="2461754"/>
+            <a:ext cx="5747948" cy="3477509"/>
+          </a:xfrm>
+          <a:prstGeom prst="rect">
+            <a:avLst/>
+          </a:prstGeom>
+        </p:spPr>
+      </p:pic>
+      <p:pic>
+        <p:nvPicPr>
+          <p:cNvPr id="10" name="Picture 9">
+            <a:extLst>
+              <a:ext uri="{FF2B5EF4-FFF2-40B4-BE49-F238E27FC236}">
+                <a16:creationId xmlns:a16="http://schemas.microsoft.com/office/drawing/2014/main" id="{CC23786A-FDC0-ADD6-8C6C-278BED688086}"/>
+              </a:ext>
+            </a:extLst>
+          </p:cNvPr>
+          <p:cNvPicPr>
+            <a:picLocks noChangeAspect="1"/>
+          </p:cNvPicPr>
+          <p:nvPr/>
+        </p:nvPicPr>
+        <p:blipFill>
+          <a:blip r:embed="rId4"/>
+          <a:stretch>
+            <a:fillRect/>
+          </a:stretch>
+        </p:blipFill>
+        <p:spPr>
+          <a:xfrm>
+            <a:off x="6615474" y="2258708"/>
+            <a:ext cx="5405695" cy="3270738"/>
+          </a:xfrm>
+          <a:prstGeom prst="rect">
+            <a:avLst/>
+          </a:prstGeom>
+        </p:spPr>
+      </p:pic>
+    </p:spTree>
+    <p:extLst>
+      <p:ext uri="{BB962C8B-B14F-4D97-AF65-F5344CB8AC3E}">
+        <p14:creationId xmlns:p14="http://schemas.microsoft.com/office/powerpoint/2010/main" val="3358843744"/>
+      </p:ext>
+    </p:extLst>
+  </p:cSld>
+  <p:clrMapOvr>
+    <a:masterClrMapping/>
+  </p:clrMapOvr>
+</p:sld>
+</file>
+
+<file path=ppt/slides/slide9.xml><?xml version="1.0" encoding="utf-8"?>
+<p:sld xmlns:a="http://schemas.openxmlformats.org/drawingml/2006/main" xmlns:r="http://schemas.openxmlformats.org/officeDocument/2006/relationships" xmlns:p="http://schemas.openxmlformats.org/presentationml/2006/main">
+  <p:cSld>
+    <p:spTree>
+      <p:nvGrpSpPr>
+        <p:cNvPr id="1" name=""/>
+        <p:cNvGrpSpPr/>
+        <p:nvPr/>
+      </p:nvGrpSpPr>
+      <p:grpSpPr>
+        <a:xfrm>
+          <a:off x="0" y="0"/>
+          <a:ext cx="0" cy="0"/>
+          <a:chOff x="0" y="0"/>
+          <a:chExt cx="0" cy="0"/>
+        </a:xfrm>
+      </p:grpSpPr>
+      <p:sp>
+        <p:nvSpPr>
+          <p:cNvPr id="5" name="Footer Placeholder 4">
+            <a:extLst>
+              <a:ext uri="{FF2B5EF4-FFF2-40B4-BE49-F238E27FC236}">
+                <a16:creationId xmlns:a16="http://schemas.microsoft.com/office/drawing/2014/main" id="{E9897846-DD34-4261-B3E0-9D79DA25FC41}"/>
+              </a:ext>
+            </a:extLst>
+          </p:cNvPr>
+          <p:cNvSpPr>
+            <a:spLocks noGrp="1"/>
+          </p:cNvSpPr>
+          <p:nvPr>
+            <p:ph type="ftr" sz="quarter" idx="11"/>
+          </p:nvPr>
+        </p:nvSpPr>
+        <p:spPr>
+          <a:xfrm>
+            <a:off x="6923468" y="6297277"/>
+            <a:ext cx="4114800" cy="365125"/>
+          </a:xfrm>
+        </p:spPr>
+        <p:txBody>
+          <a:bodyPr/>
+          <a:lstStyle/>
+          <a:p>
+            <a:r>
+              <a:rPr lang="en-US" sz="2000" dirty="0">
+                <a:solidFill>
+                  <a:schemeClr val="tx1"/>
+                </a:solidFill>
+              </a:rPr>
+              <a:t>Theo Allnutt </a:t>
+            </a:r>
+            <a:r>
+              <a:rPr lang="en-US" sz="2000" b="1" dirty="0">
+                <a:solidFill>
+                  <a:schemeClr val="tx1"/>
+                </a:solidFill>
+              </a:rPr>
+              <a:t>Bioinformatics </a:t>
+            </a:r>
+          </a:p>
+        </p:txBody>
+      </p:sp>
+      <p:sp>
+        <p:nvSpPr>
+          <p:cNvPr id="8" name="TextBox 7">
+            <a:extLst>
+              <a:ext uri="{FF2B5EF4-FFF2-40B4-BE49-F238E27FC236}">
+                <a16:creationId xmlns:a16="http://schemas.microsoft.com/office/drawing/2014/main" id="{0BA008F7-4F31-4216-8641-49D92E0D9DC4}"/>
+              </a:ext>
+            </a:extLst>
+          </p:cNvPr>
+          <p:cNvSpPr txBox="1"/>
+          <p:nvPr/>
+        </p:nvSpPr>
+        <p:spPr>
+          <a:xfrm>
+            <a:off x="658549" y="488993"/>
+            <a:ext cx="10902078" cy="4832092"/>
+          </a:xfrm>
+          <a:prstGeom prst="rect">
+            <a:avLst/>
+          </a:prstGeom>
+          <a:noFill/>
+        </p:spPr>
+        <p:txBody>
+          <a:bodyPr wrap="square" rtlCol="0">
+            <a:spAutoFit/>
+          </a:bodyPr>
+          <a:lstStyle/>
+          <a:p>
+            <a:r>
+              <a:rPr lang="en-US" sz="2800" dirty="0"/>
+              <a:t>Theo Allnutt – </a:t>
+            </a:r>
+            <a:r>
+              <a:rPr lang="en-US" sz="2800" b="1" dirty="0"/>
+              <a:t>Skills and Experience</a:t>
+            </a:r>
+          </a:p>
+          <a:p>
+            <a:endParaRPr lang="en-US" sz="2800" dirty="0"/>
+          </a:p>
+          <a:p>
+            <a:r>
+              <a:rPr lang="en-US" sz="2800" b="1" dirty="0"/>
+              <a:t>Deakin / Barwon Health BIS</a:t>
+            </a:r>
+          </a:p>
+          <a:p>
+            <a:pPr marL="457200" indent="-457200">
+              <a:buFont typeface="Arial" panose="020B0604020202020204" pitchFamily="34" charset="0"/>
+              <a:buChar char="•"/>
+            </a:pPr>
+            <a:r>
+              <a:rPr lang="en-US" sz="2800" dirty="0" err="1"/>
+              <a:t>mirBASEdb</a:t>
+            </a:r>
+            <a:r>
+              <a:rPr lang="en-US" sz="2800" dirty="0"/>
+              <a:t> miRNAs Vs allergy response in infants</a:t>
+            </a:r>
+          </a:p>
+          <a:p>
+            <a:pPr marL="457200" indent="-457200">
+              <a:buFont typeface="Arial" panose="020B0604020202020204" pitchFamily="34" charset="0"/>
+              <a:buChar char="•"/>
+            </a:pPr>
+            <a:r>
+              <a:rPr lang="en-US" sz="2800" dirty="0"/>
+              <a:t>No significant miRNAs could be found in DA analysis (LIMMA, Aldex2)</a:t>
+            </a:r>
+          </a:p>
+          <a:p>
+            <a:pPr marL="457200" indent="-457200">
+              <a:buFont typeface="Arial" panose="020B0604020202020204" pitchFamily="34" charset="0"/>
+              <a:buChar char="•"/>
+            </a:pPr>
+            <a:r>
+              <a:rPr lang="en-US" sz="2800" dirty="0" err="1"/>
+              <a:t>Sklearn</a:t>
+            </a:r>
+            <a:r>
+              <a:rPr lang="en-US" sz="2800" dirty="0"/>
+              <a:t> classify – no result </a:t>
+            </a:r>
+            <a:r>
+              <a:rPr lang="en-US" sz="1400" dirty="0"/>
+              <a:t>(Nearest Neighbors, Linear SVM, RBF SVM, Gaussian Process, Decision Tree, Random Forest, Neural Net, AdaBoost, Naive Bayes, QDA ) </a:t>
+            </a:r>
+            <a:r>
+              <a:rPr lang="en-US" sz="2400" dirty="0"/>
+              <a:t>- </a:t>
+            </a:r>
+            <a:r>
+              <a:rPr lang="en-US" sz="2800" dirty="0"/>
+              <a:t>problems with sampling / </a:t>
+            </a:r>
+            <a:r>
+              <a:rPr lang="en-US" sz="2800" dirty="0" err="1"/>
+              <a:t>normalisation</a:t>
+            </a:r>
+            <a:endParaRPr lang="en-US" sz="2800" dirty="0"/>
+          </a:p>
+          <a:p>
+            <a:endParaRPr lang="en-US" sz="2800" b="1" dirty="0"/>
+          </a:p>
+          <a:p>
+            <a:endParaRPr lang="en-US" sz="2800" dirty="0"/>
+          </a:p>
+          <a:p>
+            <a:endParaRPr lang="en-US" sz="2800" dirty="0"/>
+          </a:p>
+          <a:p>
+            <a:endParaRPr lang="en-US" sz="2800" dirty="0"/>
+          </a:p>
+        </p:txBody>
+      </p:sp>
+      <p:pic>
+        <p:nvPicPr>
+          <p:cNvPr id="3" name="Picture 2">
+            <a:extLst>
+              <a:ext uri="{FF2B5EF4-FFF2-40B4-BE49-F238E27FC236}">
+                <a16:creationId xmlns:a16="http://schemas.microsoft.com/office/drawing/2014/main" id="{619F5477-5B2C-A039-E43D-34D41D4CED24}"/>
+              </a:ext>
+            </a:extLst>
+          </p:cNvPr>
+          <p:cNvPicPr>
+            <a:picLocks noChangeAspect="1"/>
+          </p:cNvPicPr>
+          <p:nvPr/>
+        </p:nvPicPr>
+        <p:blipFill>
+          <a:blip r:embed="rId2"/>
+          <a:stretch>
+            <a:fillRect/>
+          </a:stretch>
+        </p:blipFill>
+        <p:spPr>
+          <a:xfrm>
+            <a:off x="6037059" y="3677634"/>
+            <a:ext cx="5476405" cy="2539544"/>
+          </a:xfrm>
+          <a:prstGeom prst="rect">
+            <a:avLst/>
+          </a:prstGeom>
+        </p:spPr>
+      </p:pic>
+      <p:pic>
+        <p:nvPicPr>
+          <p:cNvPr id="4" name="Picture 3">
+            <a:extLst>
+              <a:ext uri="{FF2B5EF4-FFF2-40B4-BE49-F238E27FC236}">
+                <a16:creationId xmlns:a16="http://schemas.microsoft.com/office/drawing/2014/main" id="{D1B1A2CA-6558-ABBC-FA37-2D1A998A24D5}"/>
+              </a:ext>
+            </a:extLst>
+          </p:cNvPr>
+          <p:cNvPicPr>
+            <a:picLocks noChangeAspect="1"/>
+          </p:cNvPicPr>
+          <p:nvPr/>
+        </p:nvPicPr>
+        <p:blipFill>
+          <a:blip r:embed="rId3"/>
+          <a:stretch>
+            <a:fillRect/>
+          </a:stretch>
+        </p:blipFill>
+        <p:spPr>
+          <a:xfrm>
+            <a:off x="678536" y="3675574"/>
+            <a:ext cx="4497146" cy="2808471"/>
+          </a:xfrm>
+          <a:prstGeom prst="rect">
+            <a:avLst/>
+          </a:prstGeom>
+        </p:spPr>
+      </p:pic>
+    </p:spTree>
+    <p:extLst>
+      <p:ext uri="{BB962C8B-B14F-4D97-AF65-F5344CB8AC3E}">
+        <p14:creationId xmlns:p14="http://schemas.microsoft.com/office/powerpoint/2010/main" val="2566356603"/>
       </p:ext>
     </p:extLst>
   </p:cSld>
